--- a/Theory/Recursion.pptx
+++ b/Theory/Recursion.pptx
@@ -17,6 +17,7 @@
     <p:sldId id="265" r:id="rId11"/>
     <p:sldId id="266" r:id="rId12"/>
     <p:sldId id="267" r:id="rId13"/>
+    <p:sldId id="268" r:id="rId14"/>
   </p:sldIdLst>
   <p:sldSz cx="12192000" cy="6858000"/>
   <p:notesSz cx="6858000" cy="9144000"/>
@@ -272,7 +273,7 @@
           <a:p>
             <a:fld id="{83C1CE7E-E9E3-466B-94AB-6A6B37962EEE}" type="datetimeFigureOut">
               <a:rPr lang="en-IN" smtClean="0"/>
-              <a:t>05-04-2022</a:t>
+              <a:t>08-04-2022</a:t>
             </a:fld>
             <a:endParaRPr lang="en-IN"/>
           </a:p>
@@ -472,7 +473,7 @@
           <a:p>
             <a:fld id="{83C1CE7E-E9E3-466B-94AB-6A6B37962EEE}" type="datetimeFigureOut">
               <a:rPr lang="en-IN" smtClean="0"/>
-              <a:t>05-04-2022</a:t>
+              <a:t>08-04-2022</a:t>
             </a:fld>
             <a:endParaRPr lang="en-IN"/>
           </a:p>
@@ -682,7 +683,7 @@
           <a:p>
             <a:fld id="{83C1CE7E-E9E3-466B-94AB-6A6B37962EEE}" type="datetimeFigureOut">
               <a:rPr lang="en-IN" smtClean="0"/>
-              <a:t>05-04-2022</a:t>
+              <a:t>08-04-2022</a:t>
             </a:fld>
             <a:endParaRPr lang="en-IN"/>
           </a:p>
@@ -882,7 +883,7 @@
           <a:p>
             <a:fld id="{83C1CE7E-E9E3-466B-94AB-6A6B37962EEE}" type="datetimeFigureOut">
               <a:rPr lang="en-IN" smtClean="0"/>
-              <a:t>05-04-2022</a:t>
+              <a:t>08-04-2022</a:t>
             </a:fld>
             <a:endParaRPr lang="en-IN"/>
           </a:p>
@@ -1158,7 +1159,7 @@
           <a:p>
             <a:fld id="{83C1CE7E-E9E3-466B-94AB-6A6B37962EEE}" type="datetimeFigureOut">
               <a:rPr lang="en-IN" smtClean="0"/>
-              <a:t>05-04-2022</a:t>
+              <a:t>08-04-2022</a:t>
             </a:fld>
             <a:endParaRPr lang="en-IN"/>
           </a:p>
@@ -1426,7 +1427,7 @@
           <a:p>
             <a:fld id="{83C1CE7E-E9E3-466B-94AB-6A6B37962EEE}" type="datetimeFigureOut">
               <a:rPr lang="en-IN" smtClean="0"/>
-              <a:t>05-04-2022</a:t>
+              <a:t>08-04-2022</a:t>
             </a:fld>
             <a:endParaRPr lang="en-IN"/>
           </a:p>
@@ -1841,7 +1842,7 @@
           <a:p>
             <a:fld id="{83C1CE7E-E9E3-466B-94AB-6A6B37962EEE}" type="datetimeFigureOut">
               <a:rPr lang="en-IN" smtClean="0"/>
-              <a:t>05-04-2022</a:t>
+              <a:t>08-04-2022</a:t>
             </a:fld>
             <a:endParaRPr lang="en-IN"/>
           </a:p>
@@ -1983,7 +1984,7 @@
           <a:p>
             <a:fld id="{83C1CE7E-E9E3-466B-94AB-6A6B37962EEE}" type="datetimeFigureOut">
               <a:rPr lang="en-IN" smtClean="0"/>
-              <a:t>05-04-2022</a:t>
+              <a:t>08-04-2022</a:t>
             </a:fld>
             <a:endParaRPr lang="en-IN"/>
           </a:p>
@@ -2096,7 +2097,7 @@
           <a:p>
             <a:fld id="{83C1CE7E-E9E3-466B-94AB-6A6B37962EEE}" type="datetimeFigureOut">
               <a:rPr lang="en-IN" smtClean="0"/>
-              <a:t>05-04-2022</a:t>
+              <a:t>08-04-2022</a:t>
             </a:fld>
             <a:endParaRPr lang="en-IN"/>
           </a:p>
@@ -2409,7 +2410,7 @@
           <a:p>
             <a:fld id="{83C1CE7E-E9E3-466B-94AB-6A6B37962EEE}" type="datetimeFigureOut">
               <a:rPr lang="en-IN" smtClean="0"/>
-              <a:t>05-04-2022</a:t>
+              <a:t>08-04-2022</a:t>
             </a:fld>
             <a:endParaRPr lang="en-IN"/>
           </a:p>
@@ -2698,7 +2699,7 @@
           <a:p>
             <a:fld id="{83C1CE7E-E9E3-466B-94AB-6A6B37962EEE}" type="datetimeFigureOut">
               <a:rPr lang="en-IN" smtClean="0"/>
-              <a:t>05-04-2022</a:t>
+              <a:t>08-04-2022</a:t>
             </a:fld>
             <a:endParaRPr lang="en-IN"/>
           </a:p>
@@ -2941,7 +2942,7 @@
           <a:p>
             <a:fld id="{83C1CE7E-E9E3-466B-94AB-6A6B37962EEE}" type="datetimeFigureOut">
               <a:rPr lang="en-IN" smtClean="0"/>
-              <a:t>05-04-2022</a:t>
+              <a:t>08-04-2022</a:t>
             </a:fld>
             <a:endParaRPr lang="en-IN"/>
           </a:p>
@@ -5713,6 +5714,102 @@
 </p:sld>
 </file>
 
+<file path=ppt/slides/slide13.xml><?xml version="1.0" encoding="utf-8"?>
+<p:sld xmlns:a="http://schemas.openxmlformats.org/drawingml/2006/main" xmlns:r="http://schemas.openxmlformats.org/officeDocument/2006/relationships" xmlns:p="http://schemas.openxmlformats.org/presentationml/2006/main">
+  <p:cSld>
+    <p:spTree>
+      <p:nvGrpSpPr>
+        <p:cNvPr id="1" name=""/>
+        <p:cNvGrpSpPr/>
+        <p:nvPr/>
+      </p:nvGrpSpPr>
+      <p:grpSpPr>
+        <a:xfrm>
+          <a:off x="0" y="0"/>
+          <a:ext cx="0" cy="0"/>
+          <a:chOff x="0" y="0"/>
+          <a:chExt cx="0" cy="0"/>
+        </a:xfrm>
+      </p:grpSpPr>
+      <p:sp>
+        <p:nvSpPr>
+          <p:cNvPr id="2" name="Title 1">
+            <a:extLst>
+              <a:ext uri="{FF2B5EF4-FFF2-40B4-BE49-F238E27FC236}">
+                <a16:creationId xmlns:a16="http://schemas.microsoft.com/office/drawing/2014/main" id="{2494D4EE-0E60-4F47-A5E7-7C8DB69026FE}"/>
+              </a:ext>
+            </a:extLst>
+          </p:cNvPr>
+          <p:cNvSpPr>
+            <a:spLocks noGrp="1"/>
+          </p:cNvSpPr>
+          <p:nvPr>
+            <p:ph type="title"/>
+          </p:nvPr>
+        </p:nvSpPr>
+        <p:spPr/>
+        <p:txBody>
+          <a:bodyPr/>
+          <a:lstStyle/>
+          <a:p>
+            <a:r>
+              <a:rPr lang="en-IN" dirty="0"/>
+              <a:t>Try out yourself</a:t>
+            </a:r>
+          </a:p>
+        </p:txBody>
+      </p:sp>
+      <p:sp>
+        <p:nvSpPr>
+          <p:cNvPr id="3" name="Content Placeholder 2">
+            <a:extLst>
+              <a:ext uri="{FF2B5EF4-FFF2-40B4-BE49-F238E27FC236}">
+                <a16:creationId xmlns:a16="http://schemas.microsoft.com/office/drawing/2014/main" id="{65F0FCF6-C328-4CA8-B191-71AE34E7A4DD}"/>
+              </a:ext>
+            </a:extLst>
+          </p:cNvPr>
+          <p:cNvSpPr>
+            <a:spLocks noGrp="1"/>
+          </p:cNvSpPr>
+          <p:nvPr>
+            <p:ph idx="1"/>
+          </p:nvPr>
+        </p:nvSpPr>
+        <p:spPr/>
+        <p:txBody>
+          <a:bodyPr/>
+          <a:lstStyle/>
+          <a:p>
+            <a:r>
+              <a:rPr lang="en-IN" dirty="0"/>
+              <a:t>1. Josephus Problem</a:t>
+            </a:r>
+          </a:p>
+          <a:p>
+            <a:r>
+              <a:rPr lang="en-IN" dirty="0"/>
+              <a:t>2. </a:t>
+            </a:r>
+            <a:r>
+              <a:rPr lang="en-IN"/>
+              <a:t>Tower of Hanoi</a:t>
+            </a:r>
+          </a:p>
+        </p:txBody>
+      </p:sp>
+    </p:spTree>
+    <p:extLst>
+      <p:ext uri="{BB962C8B-B14F-4D97-AF65-F5344CB8AC3E}">
+        <p14:creationId xmlns:p14="http://schemas.microsoft.com/office/powerpoint/2010/main" val="851968322"/>
+      </p:ext>
+    </p:extLst>
+  </p:cSld>
+  <p:clrMapOvr>
+    <a:masterClrMapping/>
+  </p:clrMapOvr>
+</p:sld>
+</file>
+
 <file path=ppt/slides/slide2.xml><?xml version="1.0" encoding="utf-8"?>
 <p:sld xmlns:a="http://schemas.openxmlformats.org/drawingml/2006/main" xmlns:r="http://schemas.openxmlformats.org/officeDocument/2006/relationships" xmlns:p="http://schemas.openxmlformats.org/presentationml/2006/main">
   <p:cSld>
